--- a/Lectures/22 - One Way ANOVA.pptx
+++ b/Lectures/22 - One Way ANOVA.pptx
@@ -5450,8 +5450,8 @@
           </a:p>
         </p:txBody>
       </p:sp>
-      <mc:AlternateContent xmlns:mc="http://schemas.openxmlformats.org/markup-compatibility/2006">
-        <mc:Choice xmlns:a14="http://schemas.microsoft.com/office/drawing/2010/main" Requires="a14">
+      <mc:AlternateContent xmlns:mc="http://schemas.openxmlformats.org/markup-compatibility/2006" xmlns:a14="http://schemas.microsoft.com/office/drawing/2010/main">
+        <mc:Choice Requires="a14">
           <p:sp>
             <p:nvSpPr>
               <p:cNvPr id="7" name="TextBox 6">
@@ -5825,7 +5825,7 @@
             </p:txBody>
           </p:sp>
         </mc:Choice>
-        <mc:Fallback>
+        <mc:Fallback xmlns="">
           <p:sp>
             <p:nvSpPr>
               <p:cNvPr id="7" name="TextBox 6">
@@ -5875,8 +5875,8 @@
           </p:sp>
         </mc:Fallback>
       </mc:AlternateContent>
-      <mc:AlternateContent xmlns:mc="http://schemas.openxmlformats.org/markup-compatibility/2006">
-        <mc:Choice xmlns:a14="http://schemas.microsoft.com/office/drawing/2010/main" Requires="a14">
+      <mc:AlternateContent xmlns:mc="http://schemas.openxmlformats.org/markup-compatibility/2006" xmlns:a14="http://schemas.microsoft.com/office/drawing/2010/main">
+        <mc:Choice Requires="a14">
           <p:sp>
             <p:nvSpPr>
               <p:cNvPr id="3" name="TextBox 2">
@@ -5981,7 +5981,7 @@
             </p:txBody>
           </p:sp>
         </mc:Choice>
-        <mc:Fallback>
+        <mc:Fallback xmlns="">
           <p:sp>
             <p:nvSpPr>
               <p:cNvPr id="3" name="TextBox 2">
@@ -6065,8 +6065,8 @@
           </a:p>
         </p:txBody>
       </p:sp>
-      <mc:AlternateContent xmlns:mc="http://schemas.openxmlformats.org/markup-compatibility/2006">
-        <mc:Choice xmlns:a14="http://schemas.microsoft.com/office/drawing/2010/main" Requires="a14">
+      <mc:AlternateContent xmlns:mc="http://schemas.openxmlformats.org/markup-compatibility/2006" xmlns:a14="http://schemas.microsoft.com/office/drawing/2010/main">
+        <mc:Choice Requires="a14">
           <p:sp>
             <p:nvSpPr>
               <p:cNvPr id="5" name="TextBox 4">
@@ -6203,7 +6203,7 @@
             </p:txBody>
           </p:sp>
         </mc:Choice>
-        <mc:Fallback>
+        <mc:Fallback xmlns="">
           <p:sp>
             <p:nvSpPr>
               <p:cNvPr id="5" name="TextBox 4">
@@ -6429,8 +6429,8 @@
           </a:p>
         </p:txBody>
       </p:sp>
-      <mc:AlternateContent xmlns:mc="http://schemas.openxmlformats.org/markup-compatibility/2006">
-        <mc:Choice xmlns:a14="http://schemas.microsoft.com/office/drawing/2010/main" Requires="a14">
+      <mc:AlternateContent xmlns:mc="http://schemas.openxmlformats.org/markup-compatibility/2006" xmlns:a14="http://schemas.microsoft.com/office/drawing/2010/main">
+        <mc:Choice Requires="a14">
           <p:sp>
             <p:nvSpPr>
               <p:cNvPr id="16" name="TextBox 15">
@@ -6542,7 +6542,7 @@
             </p:txBody>
           </p:sp>
         </mc:Choice>
-        <mc:Fallback>
+        <mc:Fallback xmlns="">
           <p:sp>
             <p:nvSpPr>
               <p:cNvPr id="16" name="TextBox 15">
@@ -6776,8 +6776,8 @@
           </a:p>
         </p:txBody>
       </p:sp>
-      <mc:AlternateContent xmlns:mc="http://schemas.openxmlformats.org/markup-compatibility/2006">
-        <mc:Choice xmlns:a14="http://schemas.microsoft.com/office/drawing/2010/main" Requires="a14">
+      <mc:AlternateContent xmlns:mc="http://schemas.openxmlformats.org/markup-compatibility/2006" xmlns:a14="http://schemas.microsoft.com/office/drawing/2010/main">
+        <mc:Choice Requires="a14">
           <p:sp>
             <p:nvSpPr>
               <p:cNvPr id="7" name="TextBox 6">
@@ -7463,16 +7463,7 @@
                         </a:solidFill>
                         <a:latin typeface="Cambria Math" panose="02040503050406030204" pitchFamily="18" charset="0"/>
                       </a:rPr>
-                      <m:t>=0</m:t>
-                    </m:r>
-                    <m:r>
-                      <a:rPr lang="en-US" sz="2800" b="0" i="1" smtClean="0">
-                        <a:solidFill>
-                          <a:srgbClr val="660066"/>
-                        </a:solidFill>
-                        <a:latin typeface="Cambria Math" panose="02040503050406030204" pitchFamily="18" charset="0"/>
-                      </a:rPr>
-                      <m:t> </m:t>
+                      <m:t>=0 </m:t>
                     </m:r>
                   </m:oMath>
                 </a14:m>
@@ -7635,7 +7626,7 @@
             </p:txBody>
           </p:sp>
         </mc:Choice>
-        <mc:Fallback>
+        <mc:Fallback xmlns="">
           <p:sp>
             <p:nvSpPr>
               <p:cNvPr id="7" name="TextBox 6">
@@ -7874,8 +7865,8 @@
           </a:p>
         </p:txBody>
       </p:sp>
-      <mc:AlternateContent xmlns:mc="http://schemas.openxmlformats.org/markup-compatibility/2006">
-        <mc:Choice xmlns:a14="http://schemas.microsoft.com/office/drawing/2010/main" Requires="a14">
+      <mc:AlternateContent xmlns:mc="http://schemas.openxmlformats.org/markup-compatibility/2006" xmlns:a14="http://schemas.microsoft.com/office/drawing/2010/main">
+        <mc:Choice Requires="a14">
           <p:sp>
             <p:nvSpPr>
               <p:cNvPr id="7" name="TextBox 6">
@@ -8721,7 +8712,7 @@
             </p:txBody>
           </p:sp>
         </mc:Choice>
-        <mc:Fallback>
+        <mc:Fallback xmlns="">
           <p:sp>
             <p:nvSpPr>
               <p:cNvPr id="7" name="TextBox 6">
@@ -8771,8 +8762,8 @@
           </p:sp>
         </mc:Fallback>
       </mc:AlternateContent>
-      <mc:AlternateContent xmlns:mc="http://schemas.openxmlformats.org/markup-compatibility/2006">
-        <mc:Choice xmlns:a14="http://schemas.microsoft.com/office/drawing/2010/main" Requires="a14">
+      <mc:AlternateContent xmlns:mc="http://schemas.openxmlformats.org/markup-compatibility/2006" xmlns:a14="http://schemas.microsoft.com/office/drawing/2010/main">
+        <mc:Choice Requires="a14">
           <p:graphicFrame>
             <p:nvGraphicFramePr>
               <p:cNvPr id="3" name="Table 2">
@@ -10675,7 +10666,7 @@
             </a:graphic>
           </p:graphicFrame>
         </mc:Choice>
-        <mc:Fallback>
+        <mc:Fallback xmlns="">
           <p:graphicFrame>
             <p:nvGraphicFramePr>
               <p:cNvPr id="3" name="Table 2">
@@ -12359,8 +12350,8 @@
           </a:p>
         </p:txBody>
       </p:sp>
-      <mc:AlternateContent xmlns:mc="http://schemas.openxmlformats.org/markup-compatibility/2006">
-        <mc:Choice xmlns:a14="http://schemas.microsoft.com/office/drawing/2010/main" Requires="a14">
+      <mc:AlternateContent xmlns:mc="http://schemas.openxmlformats.org/markup-compatibility/2006" xmlns:a14="http://schemas.microsoft.com/office/drawing/2010/main">
+        <mc:Choice Requires="a14">
           <p:sp>
             <p:nvSpPr>
               <p:cNvPr id="5" name="TextBox 4">
@@ -12389,6 +12380,7 @@
               </a:bodyPr>
               <a:lstStyle/>
               <a:p>
+                <a:pPr/>
                 <a14:m>
                   <m:oMathPara xmlns:m="http://schemas.openxmlformats.org/officeDocument/2006/math">
                     <m:oMathParaPr>
@@ -12460,16 +12452,7 @@
                           </a:solidFill>
                           <a:latin typeface="Cambria Math" panose="02040503050406030204" pitchFamily="18" charset="0"/>
                         </a:rPr>
-                        <m:t>=</m:t>
-                      </m:r>
-                      <m:r>
-                        <a:rPr lang="en-US" sz="3200" b="0" i="1" dirty="0" smtClean="0">
-                          <a:solidFill>
-                            <a:srgbClr val="660066"/>
-                          </a:solidFill>
-                          <a:latin typeface="Cambria Math" panose="02040503050406030204" pitchFamily="18" charset="0"/>
-                        </a:rPr>
-                        <m:t>0</m:t>
+                        <m:t>=0</m:t>
                       </m:r>
                     </m:oMath>
                   </m:oMathPara>
@@ -12479,7 +12462,7 @@
             </p:txBody>
           </p:sp>
         </mc:Choice>
-        <mc:Fallback>
+        <mc:Fallback xmlns="">
           <p:sp>
             <p:nvSpPr>
               <p:cNvPr id="5" name="TextBox 4">
@@ -13200,8 +13183,8 @@
           </a:p>
         </p:txBody>
       </p:sp>
-      <mc:AlternateContent xmlns:mc="http://schemas.openxmlformats.org/markup-compatibility/2006">
-        <mc:Choice xmlns:a14="http://schemas.microsoft.com/office/drawing/2010/main" Requires="a14">
+      <mc:AlternateContent xmlns:mc="http://schemas.openxmlformats.org/markup-compatibility/2006" xmlns:a14="http://schemas.microsoft.com/office/drawing/2010/main">
+        <mc:Choice Requires="a14">
           <p:sp>
             <p:nvSpPr>
               <p:cNvPr id="3" name="TextBox 2">
@@ -13328,7 +13311,7 @@
             </p:txBody>
           </p:sp>
         </mc:Choice>
-        <mc:Fallback>
+        <mc:Fallback xmlns="">
           <p:sp>
             <p:nvSpPr>
               <p:cNvPr id="3" name="TextBox 2">
@@ -13373,8 +13356,8 @@
           </p:sp>
         </mc:Fallback>
       </mc:AlternateContent>
-      <mc:AlternateContent xmlns:mc="http://schemas.openxmlformats.org/markup-compatibility/2006">
-        <mc:Choice xmlns:a14="http://schemas.microsoft.com/office/drawing/2010/main" Requires="a14">
+      <mc:AlternateContent xmlns:mc="http://schemas.openxmlformats.org/markup-compatibility/2006" xmlns:a14="http://schemas.microsoft.com/office/drawing/2010/main">
+        <mc:Choice Requires="a14">
           <p:sp>
             <p:nvSpPr>
               <p:cNvPr id="4" name="TextBox 3">
@@ -13431,7 +13414,7 @@
             </p:txBody>
           </p:sp>
         </mc:Choice>
-        <mc:Fallback>
+        <mc:Fallback xmlns="">
           <p:sp>
             <p:nvSpPr>
               <p:cNvPr id="4" name="TextBox 3">
